--- a/Week 08 - Project.pptx
+++ b/Week 08 - Project.pptx
@@ -202,7 +202,7 @@
           <a:p>
             <a:fld id="{FBD6A181-17F4-4617-9978-4A2F164038F9}" type="datetimeFigureOut">
               <a:rPr lang="en-US" smtClean="0"/>
-              <a:t>10/11/2022</a:t>
+              <a:t>9/30/2025</a:t>
             </a:fld>
             <a:endParaRPr lang="en-US"/>
           </a:p>
@@ -779,7 +779,7 @@
           <a:p>
             <a:fld id="{2F738906-3FDB-4B35-B4F5-DAA17A0600E1}" type="datetimeFigureOut">
               <a:rPr lang="en-US" smtClean="0"/>
-              <a:t>10/11/2022</a:t>
+              <a:t>9/30/2025</a:t>
             </a:fld>
             <a:endParaRPr lang="en-US"/>
           </a:p>
@@ -987,7 +987,7 @@
           <a:p>
             <a:fld id="{2F738906-3FDB-4B35-B4F5-DAA17A0600E1}" type="datetimeFigureOut">
               <a:rPr lang="en-US" smtClean="0"/>
-              <a:t>10/11/2022</a:t>
+              <a:t>9/30/2025</a:t>
             </a:fld>
             <a:endParaRPr lang="en-US"/>
           </a:p>
@@ -1243,7 +1243,7 @@
           <a:p>
             <a:fld id="{2F738906-3FDB-4B35-B4F5-DAA17A0600E1}" type="datetimeFigureOut">
               <a:rPr lang="en-US" smtClean="0"/>
-              <a:t>10/11/2022</a:t>
+              <a:t>9/30/2025</a:t>
             </a:fld>
             <a:endParaRPr lang="en-US"/>
           </a:p>
@@ -1417,7 +1417,7 @@
           <a:p>
             <a:fld id="{2F738906-3FDB-4B35-B4F5-DAA17A0600E1}" type="datetimeFigureOut">
               <a:rPr lang="en-US" smtClean="0"/>
-              <a:t>10/11/2022</a:t>
+              <a:t>9/30/2025</a:t>
             </a:fld>
             <a:endParaRPr lang="en-US"/>
           </a:p>
@@ -1760,7 +1760,7 @@
           <a:p>
             <a:fld id="{2F738906-3FDB-4B35-B4F5-DAA17A0600E1}" type="datetimeFigureOut">
               <a:rPr lang="en-US" smtClean="0"/>
-              <a:t>10/11/2022</a:t>
+              <a:t>9/30/2025</a:t>
             </a:fld>
             <a:endParaRPr lang="en-US"/>
           </a:p>
@@ -2035,7 +2035,7 @@
           <a:p>
             <a:fld id="{2F738906-3FDB-4B35-B4F5-DAA17A0600E1}" type="datetimeFigureOut">
               <a:rPr lang="en-US" smtClean="0"/>
-              <a:t>10/11/2022</a:t>
+              <a:t>9/30/2025</a:t>
             </a:fld>
             <a:endParaRPr lang="en-US"/>
           </a:p>
@@ -2414,7 +2414,7 @@
           <a:p>
             <a:fld id="{2F738906-3FDB-4B35-B4F5-DAA17A0600E1}" type="datetimeFigureOut">
               <a:rPr lang="en-US" smtClean="0"/>
-              <a:t>10/11/2022</a:t>
+              <a:t>9/30/2025</a:t>
             </a:fld>
             <a:endParaRPr lang="en-US"/>
           </a:p>
@@ -2532,7 +2532,7 @@
           <a:p>
             <a:fld id="{2F738906-3FDB-4B35-B4F5-DAA17A0600E1}" type="datetimeFigureOut">
               <a:rPr lang="en-US" smtClean="0"/>
-              <a:t>10/11/2022</a:t>
+              <a:t>9/30/2025</a:t>
             </a:fld>
             <a:endParaRPr lang="en-US"/>
           </a:p>
@@ -2703,7 +2703,7 @@
           <a:p>
             <a:fld id="{2F738906-3FDB-4B35-B4F5-DAA17A0600E1}" type="datetimeFigureOut">
               <a:rPr lang="en-US" smtClean="0"/>
-              <a:t>10/11/2022</a:t>
+              <a:t>9/30/2025</a:t>
             </a:fld>
             <a:endParaRPr lang="en-US"/>
           </a:p>
@@ -3057,7 +3057,7 @@
           <a:p>
             <a:fld id="{2F738906-3FDB-4B35-B4F5-DAA17A0600E1}" type="datetimeFigureOut">
               <a:rPr lang="en-US" smtClean="0"/>
-              <a:t>10/11/2022</a:t>
+              <a:t>9/30/2025</a:t>
             </a:fld>
             <a:endParaRPr lang="en-US"/>
           </a:p>
@@ -3439,7 +3439,7 @@
           <a:p>
             <a:fld id="{2F738906-3FDB-4B35-B4F5-DAA17A0600E1}" type="datetimeFigureOut">
               <a:rPr lang="en-US" smtClean="0"/>
-              <a:t>10/11/2022</a:t>
+              <a:t>9/30/2025</a:t>
             </a:fld>
             <a:endParaRPr lang="en-US"/>
           </a:p>
@@ -3726,7 +3726,7 @@
           <a:p>
             <a:fld id="{2F738906-3FDB-4B35-B4F5-DAA17A0600E1}" type="datetimeFigureOut">
               <a:rPr lang="en-US" smtClean="0"/>
-              <a:t>10/11/2022</a:t>
+              <a:t>9/30/2025</a:t>
             </a:fld>
             <a:endParaRPr lang="en-US"/>
           </a:p>
@@ -4888,7 +4888,24 @@
           <a:p>
             <a:r>
               <a:rPr lang="en-US" dirty="0"/>
-              <a:t>Each team will create a final project binder that summarizes last 6 sprints. </a:t>
+              <a:t>Each team will create a final project binder that summarizes last 6 sprints.</a:t>
+            </a:r>
+          </a:p>
+          <a:p>
+            <a:endParaRPr lang="en-US" dirty="0"/>
+          </a:p>
+          <a:p>
+            <a:r>
+              <a:rPr lang="en-US" dirty="0"/>
+              <a:t>Lowkey just testing </a:t>
+            </a:r>
+            <a:r>
+              <a:rPr lang="en-US" dirty="0" err="1"/>
+              <a:t>github</a:t>
+            </a:r>
+            <a:r>
+              <a:rPr lang="en-US" dirty="0"/>
+              <a:t> </a:t>
             </a:r>
           </a:p>
           <a:p>
